--- a/微观原理课件/第4章 市场和福利.pptx
+++ b/微观原理课件/第4章 市场和福利.pptx
@@ -291,7 +291,7 @@
           <a:p>
             <a:fld id="{E1F54E57-DC40-4712-88BE-CE5206644CC4}" type="datetimeFigureOut">
               <a:rPr lang="zh-CN" altLang="en-US" smtClean="0"/>
-              <a:t>2022/10/23</a:t>
+              <a:t>2023/10/29</a:t>
             </a:fld>
             <a:endParaRPr lang="zh-CN" altLang="en-US"/>
           </a:p>
@@ -687,7 +687,7 @@
           <a:p>
             <a:fld id="{991A04C7-A831-4A4C-B052-4795201B5A8B}" type="datetime1">
               <a:rPr lang="zh-CN" altLang="en-US" smtClean="0"/>
-              <a:t>2022/10/23</a:t>
+              <a:t>2023/10/29</a:t>
             </a:fld>
             <a:endParaRPr lang="zh-CN" altLang="en-US"/>
           </a:p>
@@ -855,7 +855,7 @@
           <a:p>
             <a:fld id="{CFE44D26-7409-4EA8-BBF3-D366EAF26032}" type="datetime1">
               <a:rPr lang="zh-CN" altLang="en-US" smtClean="0"/>
-              <a:t>2022/10/23</a:t>
+              <a:t>2023/10/29</a:t>
             </a:fld>
             <a:endParaRPr lang="zh-CN" altLang="en-US"/>
           </a:p>
@@ -1033,7 +1033,7 @@
           <a:p>
             <a:fld id="{964BE860-2E43-4710-9CD6-DD0B2351254C}" type="datetime1">
               <a:rPr lang="zh-CN" altLang="en-US" smtClean="0"/>
-              <a:t>2022/10/23</a:t>
+              <a:t>2023/10/29</a:t>
             </a:fld>
             <a:endParaRPr lang="zh-CN" altLang="en-US"/>
           </a:p>
@@ -1201,7 +1201,7 @@
           <a:p>
             <a:fld id="{965A215B-EA0E-497D-B1A8-07F070FF24F4}" type="datetime1">
               <a:rPr lang="zh-CN" altLang="en-US" smtClean="0"/>
-              <a:t>2022/10/23</a:t>
+              <a:t>2023/10/29</a:t>
             </a:fld>
             <a:endParaRPr lang="zh-CN" altLang="en-US"/>
           </a:p>
@@ -1446,7 +1446,7 @@
           <a:p>
             <a:fld id="{52C445B2-D8A9-4136-988B-D37CF5BB08D0}" type="datetime1">
               <a:rPr lang="zh-CN" altLang="en-US" smtClean="0"/>
-              <a:t>2022/10/23</a:t>
+              <a:t>2023/10/29</a:t>
             </a:fld>
             <a:endParaRPr lang="zh-CN" altLang="en-US"/>
           </a:p>
@@ -1675,7 +1675,7 @@
           <a:p>
             <a:fld id="{3EA708E5-CD4E-44D8-B417-F5D5B30F2A06}" type="datetime1">
               <a:rPr lang="zh-CN" altLang="en-US" smtClean="0"/>
-              <a:t>2022/10/23</a:t>
+              <a:t>2023/10/29</a:t>
             </a:fld>
             <a:endParaRPr lang="zh-CN" altLang="en-US"/>
           </a:p>
@@ -2039,7 +2039,7 @@
           <a:p>
             <a:fld id="{E13704B8-D604-4A14-BB81-A11885E93AFE}" type="datetime1">
               <a:rPr lang="zh-CN" altLang="en-US" smtClean="0"/>
-              <a:t>2022/10/23</a:t>
+              <a:t>2023/10/29</a:t>
             </a:fld>
             <a:endParaRPr lang="zh-CN" altLang="en-US"/>
           </a:p>
@@ -2156,7 +2156,7 @@
           <a:p>
             <a:fld id="{6EFD939C-819D-4C15-8EAE-40EC4234F8F4}" type="datetime1">
               <a:rPr lang="zh-CN" altLang="en-US" smtClean="0"/>
-              <a:t>2022/10/23</a:t>
+              <a:t>2023/10/29</a:t>
             </a:fld>
             <a:endParaRPr lang="zh-CN" altLang="en-US"/>
           </a:p>
@@ -2251,7 +2251,7 @@
           <a:p>
             <a:fld id="{6E27A8B7-C8EA-4194-9609-F78033FC0A01}" type="datetime1">
               <a:rPr lang="zh-CN" altLang="en-US" smtClean="0"/>
-              <a:t>2022/10/23</a:t>
+              <a:t>2023/10/29</a:t>
             </a:fld>
             <a:endParaRPr lang="zh-CN" altLang="en-US"/>
           </a:p>
@@ -2526,7 +2526,7 @@
           <a:p>
             <a:fld id="{073999B7-8671-4E2B-9D6A-1B9791BECE17}" type="datetime1">
               <a:rPr lang="zh-CN" altLang="en-US" smtClean="0"/>
-              <a:t>2022/10/23</a:t>
+              <a:t>2023/10/29</a:t>
             </a:fld>
             <a:endParaRPr lang="zh-CN" altLang="en-US"/>
           </a:p>
@@ -2778,7 +2778,7 @@
           <a:p>
             <a:fld id="{8DD33DCE-5B0D-4A27-9BAB-636CB4C0D889}" type="datetime1">
               <a:rPr lang="zh-CN" altLang="en-US" smtClean="0"/>
-              <a:t>2022/10/23</a:t>
+              <a:t>2023/10/29</a:t>
             </a:fld>
             <a:endParaRPr lang="zh-CN" altLang="en-US"/>
           </a:p>
@@ -2992,7 +2992,7 @@
           <a:p>
             <a:fld id="{61CE9207-13C4-48E5-8E3F-D102F1452002}" type="datetime1">
               <a:rPr lang="zh-CN" altLang="en-US" smtClean="0"/>
-              <a:t>2022/10/23</a:t>
+              <a:t>2023/10/29</a:t>
             </a:fld>
             <a:endParaRPr lang="zh-CN" altLang="en-US"/>
           </a:p>
@@ -7714,7 +7714,7 @@
                 </a:solidFill>
                 <a:ea typeface="宋体" charset="-122"/>
               </a:rPr>
-              <a:t>一种情况：允许肾脏市场</a:t>
+              <a:t>一种情况：允许肾买卖市场</a:t>
             </a:r>
           </a:p>
           <a:p>
@@ -9123,7 +9123,7 @@
         </p:blipFill>
         <p:spPr>
           <a:xfrm>
-            <a:off x="469127" y="596347"/>
+            <a:off x="469127" y="591377"/>
             <a:ext cx="10368501" cy="6186115"/>
           </a:xfrm>
         </p:spPr>
@@ -9895,19 +9895,19 @@
           <a:p>
             <a:pPr lvl="1"/>
             <a:r>
-              <a:rPr lang="zh-CN" altLang="en-US" dirty="0">
+              <a:rPr lang="zh-CN" altLang="en-US" b="1" dirty="0">
                 <a:ea typeface="宋体" panose="02010600030101010101" pitchFamily="2" charset="-122"/>
               </a:rPr>
               <a:t>市场分配资源无效率</a:t>
             </a:r>
-            <a:endParaRPr lang="en-US" altLang="zh-CN" dirty="0">
+            <a:endParaRPr lang="en-US" altLang="zh-CN" b="1" dirty="0">
               <a:ea typeface="宋体" panose="02010600030101010101" pitchFamily="2" charset="-122"/>
             </a:endParaRPr>
           </a:p>
           <a:p>
             <a:pPr lvl="1"/>
             <a:r>
-              <a:rPr lang="zh-CN" altLang="en-US" dirty="0">
+              <a:rPr lang="zh-CN" altLang="en-US" b="1" dirty="0">
                 <a:ea typeface="宋体" panose="02010600030101010101" pitchFamily="2" charset="-122"/>
               </a:rPr>
               <a:t>税收提高了买者的价格而降低了卖者的价格，这样扭曲的价格激励导致：买者会少消费，卖者会少生产，市场规模缩小到最优化水平之下，所以税收扭曲了激励。引起了市场配置资源时的无效率。</a:t>
